--- a/MPS - Projects/slides.pptx
+++ b/MPS - Projects/slides.pptx
@@ -517,95 +517,6 @@
           <a:bodyPr/>
           <a:lstStyle/>
           <a:p>
-            <a:r>
-              <a:rPr lang="en-US" b="0" i="0" dirty="0">
-                <a:solidFill>
-                  <a:srgbClr val="202122"/>
-                </a:solidFill>
-                <a:effectLst/>
-                <a:latin typeface="Arial" panose="020B0604020202020204" pitchFamily="34" charset="0"/>
-              </a:rPr>
-              <a:t>JetBrains is a </a:t>
-            </a:r>
-            <a:r>
-              <a:rPr lang="en-US" b="0" i="0" dirty="0">
-                <a:solidFill>
-                  <a:srgbClr val="4D5156"/>
-                </a:solidFill>
-                <a:effectLst/>
-                <a:latin typeface="arial" panose="020B0604020202020204" pitchFamily="34" charset="0"/>
-              </a:rPr>
-              <a:t>Czech software development company</a:t>
-            </a:r>
-            <a:br>
-              <a:rPr lang="en-US" b="0" i="0" dirty="0">
-                <a:solidFill>
-                  <a:srgbClr val="4D5156"/>
-                </a:solidFill>
-                <a:effectLst/>
-                <a:latin typeface="arial" panose="020B0604020202020204" pitchFamily="34" charset="0"/>
-              </a:rPr>
-            </a:br>
-            <a:r>
-              <a:rPr lang="en-US" b="0" i="0" dirty="0" err="1">
-                <a:solidFill>
-                  <a:srgbClr val="4D5156"/>
-                </a:solidFill>
-                <a:effectLst/>
-                <a:latin typeface="arial" panose="020B0604020202020204" pitchFamily="34" charset="0"/>
-              </a:rPr>
-              <a:t>Sry</a:t>
-            </a:r>
-            <a:r>
-              <a:rPr lang="en-US" b="0" i="0" dirty="0">
-                <a:solidFill>
-                  <a:srgbClr val="4D5156"/>
-                </a:solidFill>
-                <a:effectLst/>
-                <a:latin typeface="arial" panose="020B0604020202020204" pitchFamily="34" charset="0"/>
-              </a:rPr>
-              <a:t> this slide looks like I get </a:t>
-            </a:r>
-            <a:r>
-              <a:rPr lang="en-US" b="0" i="0" dirty="0" err="1">
-                <a:solidFill>
-                  <a:srgbClr val="4D5156"/>
-                </a:solidFill>
-                <a:effectLst/>
-                <a:latin typeface="arial" panose="020B0604020202020204" pitchFamily="34" charset="0"/>
-              </a:rPr>
-              <a:t>payed</a:t>
-            </a:r>
-            <a:r>
-              <a:rPr lang="en-US" b="0" i="0" dirty="0">
-                <a:solidFill>
-                  <a:srgbClr val="4D5156"/>
-                </a:solidFill>
-                <a:effectLst/>
-                <a:latin typeface="arial" panose="020B0604020202020204" pitchFamily="34" charset="0"/>
-              </a:rPr>
-              <a:t> by </a:t>
-            </a:r>
-            <a:r>
-              <a:rPr lang="en-US" b="0" i="0" dirty="0" err="1">
-                <a:solidFill>
-                  <a:srgbClr val="4D5156"/>
-                </a:solidFill>
-                <a:effectLst/>
-                <a:latin typeface="arial" panose="020B0604020202020204" pitchFamily="34" charset="0"/>
-              </a:rPr>
-              <a:t>Jetbrains</a:t>
-            </a:r>
-            <a:r>
-              <a:rPr lang="en-US" b="0" i="0" dirty="0">
-                <a:solidFill>
-                  <a:srgbClr val="4D5156"/>
-                </a:solidFill>
-                <a:effectLst/>
-                <a:latin typeface="arial" panose="020B0604020202020204" pitchFamily="34" charset="0"/>
-              </a:rPr>
-              <a:t>. I do not.</a:t>
-            </a:r>
             <a:endParaRPr lang="en-US" dirty="0"/>
           </a:p>
         </p:txBody>
@@ -627,7 +538,7 @@
           <a:p>
             <a:fld id="{1079C263-7865-4551-888D-CFAF1E5AA80A}" type="slidenum">
               <a:rPr lang="en-US" smtClean="0"/>
-              <a:t>4</a:t>
+              <a:t>1</a:t>
             </a:fld>
             <a:endParaRPr lang="en-US"/>
           </a:p>
@@ -636,7 +547,7 @@
     </p:spTree>
     <p:extLst>
       <p:ext uri="{BB962C8B-B14F-4D97-AF65-F5344CB8AC3E}">
-        <p14:creationId xmlns:p14="http://schemas.microsoft.com/office/powerpoint/2010/main" val="4251922043"/>
+        <p14:creationId xmlns:p14="http://schemas.microsoft.com/office/powerpoint/2010/main" val="1670453845"/>
       </p:ext>
     </p:extLst>
   </p:cSld>
@@ -698,7 +609,86 @@
                 <a:effectLst/>
                 <a:latin typeface="Arial" panose="020B0604020202020204" pitchFamily="34" charset="0"/>
               </a:rPr>
-              <a:t>This is example is to showcase MPS and not to create a useful DSL.</a:t>
+              <a:t>JetBrains is a </a:t>
+            </a:r>
+            <a:r>
+              <a:rPr lang="en-US" b="0" i="0" dirty="0">
+                <a:solidFill>
+                  <a:srgbClr val="4D5156"/>
+                </a:solidFill>
+                <a:effectLst/>
+                <a:latin typeface="arial" panose="020B0604020202020204" pitchFamily="34" charset="0"/>
+              </a:rPr>
+              <a:t>Czech software development company</a:t>
+            </a:r>
+            <a:br>
+              <a:rPr lang="en-US" b="0" i="0" dirty="0">
+                <a:solidFill>
+                  <a:srgbClr val="4D5156"/>
+                </a:solidFill>
+                <a:effectLst/>
+                <a:latin typeface="arial" panose="020B0604020202020204" pitchFamily="34" charset="0"/>
+              </a:rPr>
+            </a:br>
+            <a:r>
+              <a:rPr lang="en-US" b="0" i="0" dirty="0" err="1">
+                <a:solidFill>
+                  <a:srgbClr val="4D5156"/>
+                </a:solidFill>
+                <a:effectLst/>
+                <a:latin typeface="arial" panose="020B0604020202020204" pitchFamily="34" charset="0"/>
+              </a:rPr>
+              <a:t>Sry</a:t>
+            </a:r>
+            <a:r>
+              <a:rPr lang="en-US" b="0" i="0" dirty="0">
+                <a:solidFill>
+                  <a:srgbClr val="4D5156"/>
+                </a:solidFill>
+                <a:effectLst/>
+                <a:latin typeface="arial" panose="020B0604020202020204" pitchFamily="34" charset="0"/>
+              </a:rPr>
+              <a:t> this slide looks like I get </a:t>
+            </a:r>
+            <a:r>
+              <a:rPr lang="en-US" b="0" i="0" dirty="0" err="1">
+                <a:solidFill>
+                  <a:srgbClr val="4D5156"/>
+                </a:solidFill>
+                <a:effectLst/>
+                <a:latin typeface="arial" panose="020B0604020202020204" pitchFamily="34" charset="0"/>
+              </a:rPr>
+              <a:t>payed</a:t>
+            </a:r>
+            <a:r>
+              <a:rPr lang="en-US" b="0" i="0" dirty="0">
+                <a:solidFill>
+                  <a:srgbClr val="4D5156"/>
+                </a:solidFill>
+                <a:effectLst/>
+                <a:latin typeface="arial" panose="020B0604020202020204" pitchFamily="34" charset="0"/>
+              </a:rPr>
+              <a:t> by </a:t>
+            </a:r>
+            <a:r>
+              <a:rPr lang="en-US" b="0" i="0" dirty="0" err="1">
+                <a:solidFill>
+                  <a:srgbClr val="4D5156"/>
+                </a:solidFill>
+                <a:effectLst/>
+                <a:latin typeface="arial" panose="020B0604020202020204" pitchFamily="34" charset="0"/>
+              </a:rPr>
+              <a:t>Jetbrains</a:t>
+            </a:r>
+            <a:r>
+              <a:rPr lang="en-US" b="0" i="0" dirty="0">
+                <a:solidFill>
+                  <a:srgbClr val="4D5156"/>
+                </a:solidFill>
+                <a:effectLst/>
+                <a:latin typeface="arial" panose="020B0604020202020204" pitchFamily="34" charset="0"/>
+              </a:rPr>
+              <a:t>. I do not.</a:t>
             </a:r>
             <a:endParaRPr lang="en-US" dirty="0"/>
           </a:p>
@@ -721,7 +711,7 @@
           <a:p>
             <a:fld id="{1079C263-7865-4551-888D-CFAF1E5AA80A}" type="slidenum">
               <a:rPr lang="en-US" smtClean="0"/>
-              <a:t>5</a:t>
+              <a:t>4</a:t>
             </a:fld>
             <a:endParaRPr lang="en-US"/>
           </a:p>
@@ -730,7 +720,7 @@
     </p:spTree>
     <p:extLst>
       <p:ext uri="{BB962C8B-B14F-4D97-AF65-F5344CB8AC3E}">
-        <p14:creationId xmlns:p14="http://schemas.microsoft.com/office/powerpoint/2010/main" val="3076189957"/>
+        <p14:creationId xmlns:p14="http://schemas.microsoft.com/office/powerpoint/2010/main" val="4251922043"/>
       </p:ext>
     </p:extLst>
   </p:cSld>
@@ -785,56 +775,14 @@
           <a:lstStyle/>
           <a:p>
             <a:r>
-              <a:rPr lang="de-DE" dirty="0"/>
-              <a:t>Just </a:t>
-            </a:r>
-            <a:r>
-              <a:rPr lang="de-DE" dirty="0" err="1"/>
-              <a:t>show</a:t>
-            </a:r>
-            <a:r>
-              <a:rPr lang="de-DE" dirty="0"/>
-              <a:t> </a:t>
-            </a:r>
-            <a:r>
-              <a:rPr lang="de-DE" dirty="0" err="1"/>
-              <a:t>this</a:t>
-            </a:r>
-            <a:r>
-              <a:rPr lang="de-DE" dirty="0"/>
-              <a:t> </a:t>
-            </a:r>
-            <a:r>
-              <a:rPr lang="de-DE" dirty="0" err="1"/>
-              <a:t>part</a:t>
-            </a:r>
-            <a:r>
-              <a:rPr lang="de-DE" dirty="0"/>
-              <a:t> in MPS </a:t>
-            </a:r>
-            <a:r>
-              <a:rPr lang="de-DE" dirty="0" err="1"/>
-              <a:t>dont</a:t>
-            </a:r>
-            <a:r>
-              <a:rPr lang="de-DE" dirty="0"/>
-              <a:t> </a:t>
-            </a:r>
-            <a:r>
-              <a:rPr lang="de-DE" dirty="0" err="1"/>
-              <a:t>program</a:t>
-            </a:r>
-            <a:r>
-              <a:rPr lang="de-DE" dirty="0"/>
-              <a:t> </a:t>
-            </a:r>
-            <a:r>
-              <a:rPr lang="de-DE" dirty="0" err="1"/>
-              <a:t>it</a:t>
-            </a:r>
-            <a:r>
-              <a:rPr lang="de-DE" dirty="0"/>
-              <a:t> live.</a:t>
+              <a:rPr lang="en-US" b="0" i="0" dirty="0">
+                <a:solidFill>
+                  <a:srgbClr val="202122"/>
+                </a:solidFill>
+                <a:effectLst/>
+                <a:latin typeface="Arial" panose="020B0604020202020204" pitchFamily="34" charset="0"/>
+              </a:rPr>
+              <a:t>This is example is to showcase MPS and not to create a useful DSL.</a:t>
             </a:r>
             <a:endParaRPr lang="en-US" dirty="0"/>
           </a:p>
@@ -857,6 +805,142 @@
           <a:p>
             <a:fld id="{1079C263-7865-4551-888D-CFAF1E5AA80A}" type="slidenum">
               <a:rPr lang="en-US" smtClean="0"/>
+              <a:t>5</a:t>
+            </a:fld>
+            <a:endParaRPr lang="en-US"/>
+          </a:p>
+        </p:txBody>
+      </p:sp>
+    </p:spTree>
+    <p:extLst>
+      <p:ext uri="{BB962C8B-B14F-4D97-AF65-F5344CB8AC3E}">
+        <p14:creationId xmlns:p14="http://schemas.microsoft.com/office/powerpoint/2010/main" val="3076189957"/>
+      </p:ext>
+    </p:extLst>
+  </p:cSld>
+  <p:clrMapOvr>
+    <a:masterClrMapping/>
+  </p:clrMapOvr>
+</p:notes>
+</file>
+
+<file path=ppt/notesSlides/notesSlide4.xml><?xml version="1.0" encoding="utf-8"?>
+<p:notes xmlns:a="http://schemas.openxmlformats.org/drawingml/2006/main" xmlns:r="http://schemas.openxmlformats.org/officeDocument/2006/relationships" xmlns:p="http://schemas.openxmlformats.org/presentationml/2006/main">
+  <p:cSld>
+    <p:spTree>
+      <p:nvGrpSpPr>
+        <p:cNvPr id="1" name=""/>
+        <p:cNvGrpSpPr/>
+        <p:nvPr/>
+      </p:nvGrpSpPr>
+      <p:grpSpPr>
+        <a:xfrm>
+          <a:off x="0" y="0"/>
+          <a:ext cx="0" cy="0"/>
+          <a:chOff x="0" y="0"/>
+          <a:chExt cx="0" cy="0"/>
+        </a:xfrm>
+      </p:grpSpPr>
+      <p:sp>
+        <p:nvSpPr>
+          <p:cNvPr id="2" name="Plassholder for lysbilde 1"/>
+          <p:cNvSpPr>
+            <a:spLocks noGrp="1" noRot="1" noChangeAspect="1"/>
+          </p:cNvSpPr>
+          <p:nvPr>
+            <p:ph type="sldImg"/>
+          </p:nvPr>
+        </p:nvSpPr>
+        <p:spPr/>
+      </p:sp>
+      <p:sp>
+        <p:nvSpPr>
+          <p:cNvPr id="3" name="Plassholder for notater 2"/>
+          <p:cNvSpPr>
+            <a:spLocks noGrp="1"/>
+          </p:cNvSpPr>
+          <p:nvPr>
+            <p:ph type="body" idx="1"/>
+          </p:nvPr>
+        </p:nvSpPr>
+        <p:spPr/>
+        <p:txBody>
+          <a:bodyPr/>
+          <a:lstStyle/>
+          <a:p>
+            <a:r>
+              <a:rPr lang="de-DE" dirty="0"/>
+              <a:t>Just </a:t>
+            </a:r>
+            <a:r>
+              <a:rPr lang="de-DE" dirty="0" err="1"/>
+              <a:t>show</a:t>
+            </a:r>
+            <a:r>
+              <a:rPr lang="de-DE" dirty="0"/>
+              <a:t> </a:t>
+            </a:r>
+            <a:r>
+              <a:rPr lang="de-DE" dirty="0" err="1"/>
+              <a:t>this</a:t>
+            </a:r>
+            <a:r>
+              <a:rPr lang="de-DE" dirty="0"/>
+              <a:t> </a:t>
+            </a:r>
+            <a:r>
+              <a:rPr lang="de-DE" dirty="0" err="1"/>
+              <a:t>part</a:t>
+            </a:r>
+            <a:r>
+              <a:rPr lang="de-DE" dirty="0"/>
+              <a:t> in MPS </a:t>
+            </a:r>
+            <a:r>
+              <a:rPr lang="de-DE" dirty="0" err="1"/>
+              <a:t>dont</a:t>
+            </a:r>
+            <a:r>
+              <a:rPr lang="de-DE" dirty="0"/>
+              <a:t> </a:t>
+            </a:r>
+            <a:r>
+              <a:rPr lang="de-DE" dirty="0" err="1"/>
+              <a:t>program</a:t>
+            </a:r>
+            <a:r>
+              <a:rPr lang="de-DE" dirty="0"/>
+              <a:t> </a:t>
+            </a:r>
+            <a:r>
+              <a:rPr lang="de-DE" dirty="0" err="1"/>
+              <a:t>it</a:t>
+            </a:r>
+            <a:r>
+              <a:rPr lang="de-DE" dirty="0"/>
+              <a:t> live.</a:t>
+            </a:r>
+            <a:endParaRPr lang="en-US" dirty="0"/>
+          </a:p>
+        </p:txBody>
+      </p:sp>
+      <p:sp>
+        <p:nvSpPr>
+          <p:cNvPr id="4" name="Plassholder for lysbildenummer 3"/>
+          <p:cNvSpPr>
+            <a:spLocks noGrp="1"/>
+          </p:cNvSpPr>
+          <p:nvPr>
+            <p:ph type="sldNum" sz="quarter" idx="5"/>
+          </p:nvPr>
+        </p:nvSpPr>
+        <p:spPr/>
+        <p:txBody>
+          <a:bodyPr/>
+          <a:lstStyle/>
+          <a:p>
+            <a:fld id="{1079C263-7865-4551-888D-CFAF1E5AA80A}" type="slidenum">
+              <a:rPr lang="en-US" smtClean="0"/>
               <a:t>8</a:t>
             </a:fld>
             <a:endParaRPr lang="en-US"/>
@@ -876,7 +960,7 @@
 </p:notes>
 </file>
 
-<file path=ppt/notesSlides/notesSlide4.xml><?xml version="1.0" encoding="utf-8"?>
+<file path=ppt/notesSlides/notesSlide5.xml><?xml version="1.0" encoding="utf-8"?>
 <p:notes xmlns:a="http://schemas.openxmlformats.org/drawingml/2006/main" xmlns:r="http://schemas.openxmlformats.org/officeDocument/2006/relationships" xmlns:p="http://schemas.openxmlformats.org/presentationml/2006/main">
   <p:cSld>
     <p:spTree>
@@ -5673,7 +5757,7 @@
           <p:nvPr/>
         </p:nvPicPr>
         <p:blipFill>
-          <a:blip r:embed="rId2"/>
+          <a:blip r:embed="rId3"/>
           <a:stretch>
             <a:fillRect/>
           </a:stretch>
@@ -5703,7 +5787,7 @@
           <p:nvPr/>
         </p:nvPicPr>
         <p:blipFill>
-          <a:blip r:embed="rId3"/>
+          <a:blip r:embed="rId4"/>
           <a:stretch>
             <a:fillRect/>
           </a:stretch>
@@ -5905,28 +5989,6 @@
               <a:t>metamodel</a:t>
             </a:r>
             <a:endParaRPr lang="de-DE" dirty="0"/>
-          </a:p>
-          <a:p>
-            <a:pPr marL="514350" indent="-514350">
-              <a:buFont typeface="+mj-lt"/>
-              <a:buAutoNum type="arabicPeriod"/>
-            </a:pPr>
-            <a:r>
-              <a:rPr lang="de-DE" dirty="0" err="1"/>
-              <a:t>Adding</a:t>
-            </a:r>
-            <a:r>
-              <a:rPr lang="de-DE" dirty="0"/>
-              <a:t> </a:t>
-            </a:r>
-            <a:r>
-              <a:rPr lang="de-DE" dirty="0" err="1"/>
-              <a:t>constraints</a:t>
-            </a:r>
-            <a:r>
-              <a:rPr lang="de-DE" dirty="0"/>
-              <a:t>?</a:t>
-            </a:r>
           </a:p>
           <a:p>
             <a:pPr marL="514350" indent="-514350">
@@ -6255,55 +6317,6 @@
                       </p:childTnLst>
                     </p:cTn>
                   </p:par>
-                  <p:par>
-                    <p:cTn id="23" fill="hold">
-                      <p:stCondLst>
-                        <p:cond delay="indefinite"/>
-                      </p:stCondLst>
-                      <p:childTnLst>
-                        <p:par>
-                          <p:cTn id="24" fill="hold">
-                            <p:stCondLst>
-                              <p:cond delay="0"/>
-                            </p:stCondLst>
-                            <p:childTnLst>
-                              <p:par>
-                                <p:cTn id="25" presetID="1" presetClass="entr" presetSubtype="0" fill="hold" nodeType="clickEffect">
-                                  <p:stCondLst>
-                                    <p:cond delay="0"/>
-                                  </p:stCondLst>
-                                  <p:childTnLst>
-                                    <p:set>
-                                      <p:cBhvr>
-                                        <p:cTn id="26" dur="1" fill="hold">
-                                          <p:stCondLst>
-                                            <p:cond delay="0"/>
-                                          </p:stCondLst>
-                                        </p:cTn>
-                                        <p:tgtEl>
-                                          <p:spTgt spid="3">
-                                            <p:txEl>
-                                              <p:pRg st="5" end="5"/>
-                                            </p:txEl>
-                                          </p:spTgt>
-                                        </p:tgtEl>
-                                        <p:attrNameLst>
-                                          <p:attrName>style.visibility</p:attrName>
-                                        </p:attrNameLst>
-                                      </p:cBhvr>
-                                      <p:to>
-                                        <p:strVal val="visible"/>
-                                      </p:to>
-                                    </p:set>
-                                  </p:childTnLst>
-                                </p:cTn>
-                              </p:par>
-                            </p:childTnLst>
-                          </p:cTn>
-                        </p:par>
-                      </p:childTnLst>
-                    </p:cTn>
-                  </p:par>
                 </p:childTnLst>
               </p:cTn>
               <p:prevCondLst>
@@ -6694,7 +6707,7 @@
             </a:r>
             <a:r>
               <a:rPr lang="de-DE" dirty="0"/>
-              <a:t> </a:t>
+              <a:t> a </a:t>
             </a:r>
             <a:r>
               <a:rPr lang="de-DE" dirty="0" err="1"/>
